--- a/10-python-performance/performance-slides.pptx
+++ b/10-python-performance/performance-slides.pptx
@@ -133,7 +133,7 @@
       </p15:sldGuideLst>
     </p:ext>
     <p:ext uri="GoogleSlidesCustomDataVersion2">
-      <go:slidesCustomData xmlns:go="http://customooxmlschemas.google.com/" xmlns:ahyp="http://schemas.microsoft.com/office/drawing/2018/hyperlinkcolor" xmlns:p15="http://schemas.microsoft.com/office/powerpoint/2012/main" xmlns:p14="http://schemas.microsoft.com/office/powerpoint/2010/main" xmlns:com="http://schemas.openxmlformats.org/drawingml/2006/compatibility" xmlns:pvml="urn:schemas-microsoft-com:office:powerpoint" xmlns:v="urn:schemas-microsoft-com:vml" xmlns:o="urn:schemas-microsoft-com:office:office" xmlns:dgm="http://schemas.openxmlformats.org/drawingml/2006/diagram" xmlns:c="http://schemas.openxmlformats.org/drawingml/2006/chart" xmlns:mv="urn:schemas-microsoft-com:mac:vml" xmlns:mc="http://schemas.openxmlformats.org/markup-compatibility/2006" xmlns="" r:id="rId31" roundtripDataSignature="AMtx7mgec6XkJrYLMqIfmNf7DzA/BRS6YA=="/>
+      <go:slidesCustomData xmlns="" xmlns:mc="http://schemas.openxmlformats.org/markup-compatibility/2006" xmlns:mv="urn:schemas-microsoft-com:mac:vml" xmlns:c="http://schemas.openxmlformats.org/drawingml/2006/chart" xmlns:dgm="http://schemas.openxmlformats.org/drawingml/2006/diagram" xmlns:o="urn:schemas-microsoft-com:office:office" xmlns:v="urn:schemas-microsoft-com:vml" xmlns:pvml="urn:schemas-microsoft-com:office:powerpoint" xmlns:com="http://schemas.openxmlformats.org/drawingml/2006/compatibility" xmlns:p14="http://schemas.microsoft.com/office/powerpoint/2010/main" xmlns:p15="http://schemas.microsoft.com/office/powerpoint/2012/main" xmlns:ahyp="http://schemas.microsoft.com/office/drawing/2018/hyperlinkcolor" xmlns:go="http://customooxmlschemas.google.com/" r:id="rId31" roundtripDataSignature="AMtx7mgec6XkJrYLMqIfmNf7DzA/BRS6YA=="/>
     </p:ext>
   </p:extLst>
 </p:presentation>
@@ -8046,7 +8046,7 @@
         <p:fade/>
       </p:transition>
     </mc:Choice>
-    <mc:Fallback xmlns:ahyp="http://schemas.microsoft.com/office/drawing/2018/hyperlinkcolor" xmlns:p15="http://schemas.microsoft.com/office/powerpoint/2012/main" xmlns:com="http://schemas.openxmlformats.org/drawingml/2006/compatibility" xmlns:pvml="urn:schemas-microsoft-com:office:powerpoint" xmlns:v="urn:schemas-microsoft-com:vml" xmlns:o="urn:schemas-microsoft-com:office:office" xmlns:dgm="http://schemas.openxmlformats.org/drawingml/2006/diagram" xmlns:c="http://schemas.openxmlformats.org/drawingml/2006/chart" xmlns:mv="urn:schemas-microsoft-com:mac:vml" xmlns="">
+    <mc:Fallback xmlns="" xmlns:mv="urn:schemas-microsoft-com:mac:vml" xmlns:c="http://schemas.openxmlformats.org/drawingml/2006/chart" xmlns:dgm="http://schemas.openxmlformats.org/drawingml/2006/diagram" xmlns:o="urn:schemas-microsoft-com:office:office" xmlns:v="urn:schemas-microsoft-com:vml" xmlns:pvml="urn:schemas-microsoft-com:office:powerpoint" xmlns:com="http://schemas.openxmlformats.org/drawingml/2006/compatibility" xmlns:p15="http://schemas.microsoft.com/office/powerpoint/2012/main" xmlns:ahyp="http://schemas.microsoft.com/office/drawing/2018/hyperlinkcolor">
       <p:transition spd="slow">
         <p:fade/>
       </p:transition>
@@ -8173,7 +8173,7 @@
         <p:spPr>
           <a:xfrm>
             <a:off x="1702422" y="2365746"/>
-            <a:ext cx="16325383" cy="5170646"/>
+            <a:ext cx="16325383" cy="6463308"/>
           </a:xfrm>
           <a:prstGeom prst="rect">
             <a:avLst/>
@@ -8188,6 +8188,32 @@
             <a:spAutoFit/>
           </a:bodyPr>
           <a:lstStyle/>
+          <a:p>
+            <a:pPr marL="1143000" marR="0" lvl="0" indent="-1143000" algn="r" rtl="1">
+              <a:lnSpc>
+                <a:spcPct val="140000"/>
+              </a:lnSpc>
+              <a:spcBef>
+                <a:spcPts val="0"/>
+              </a:spcBef>
+              <a:spcAft>
+                <a:spcPts val="0"/>
+              </a:spcAft>
+              <a:buFont typeface="+mj-lt"/>
+              <a:buAutoNum type="arabicPeriod"/>
+            </a:pPr>
+            <a:r>
+              <a:rPr lang="he-IL" sz="6000">
+                <a:solidFill>
+                  <a:srgbClr val="081D3F"/>
+                </a:solidFill>
+                <a:latin typeface="Calibri" panose="020F0502020204030204" pitchFamily="34" charset="0"/>
+                <a:cs typeface="Calibri" panose="020F0502020204030204" pitchFamily="34" charset="0"/>
+                <a:sym typeface="Arial"/>
+              </a:rPr>
+              <a:t>בדיקת ביצועים – מול אלגוריתמים אחרים / היוריסטיקות</a:t>
+            </a:r>
+          </a:p>
           <a:p>
             <a:pPr marL="1143000" marR="0" lvl="0" indent="-1143000" algn="r" rtl="1">
               <a:lnSpc>
@@ -8365,7 +8391,7 @@
         <p:fade/>
       </p:transition>
     </mc:Choice>
-    <mc:Fallback xmlns:ahyp="http://schemas.microsoft.com/office/drawing/2018/hyperlinkcolor" xmlns:p15="http://schemas.microsoft.com/office/powerpoint/2012/main" xmlns:com="http://schemas.openxmlformats.org/drawingml/2006/compatibility" xmlns:pvml="urn:schemas-microsoft-com:office:powerpoint" xmlns:v="urn:schemas-microsoft-com:vml" xmlns:o="urn:schemas-microsoft-com:office:office" xmlns:dgm="http://schemas.openxmlformats.org/drawingml/2006/diagram" xmlns:c="http://schemas.openxmlformats.org/drawingml/2006/chart" xmlns:mv="urn:schemas-microsoft-com:mac:vml" xmlns="">
+    <mc:Fallback xmlns="" xmlns:mv="urn:schemas-microsoft-com:mac:vml" xmlns:c="http://schemas.openxmlformats.org/drawingml/2006/chart" xmlns:dgm="http://schemas.openxmlformats.org/drawingml/2006/diagram" xmlns:o="urn:schemas-microsoft-com:office:office" xmlns:v="urn:schemas-microsoft-com:vml" xmlns:pvml="urn:schemas-microsoft-com:office:powerpoint" xmlns:com="http://schemas.openxmlformats.org/drawingml/2006/compatibility" xmlns:p15="http://schemas.microsoft.com/office/powerpoint/2012/main" xmlns:ahyp="http://schemas.microsoft.com/office/drawing/2018/hyperlinkcolor">
       <p:transition spd="slow">
         <p:fade/>
       </p:transition>
@@ -8407,7 +8433,7 @@
                                         <p:tgtEl>
                                           <p:spTgt spid="4">
                                             <p:txEl>
-                                              <p:pRg st="0" end="0"/>
+                                              <p:pRg st="1" end="1"/>
                                             </p:txEl>
                                           </p:spTgt>
                                         </p:tgtEl>
@@ -8456,7 +8482,7 @@
                                         <p:tgtEl>
                                           <p:spTgt spid="4">
                                             <p:txEl>
-                                              <p:pRg st="1" end="1"/>
+                                              <p:pRg st="0" end="0"/>
                                             </p:txEl>
                                           </p:spTgt>
                                         </p:tgtEl>
@@ -8555,6 +8581,55 @@
                                           <p:spTgt spid="4">
                                             <p:txEl>
                                               <p:pRg st="3" end="3"/>
+                                            </p:txEl>
+                                          </p:spTgt>
+                                        </p:tgtEl>
+                                        <p:attrNameLst>
+                                          <p:attrName>style.visibility</p:attrName>
+                                        </p:attrNameLst>
+                                      </p:cBhvr>
+                                      <p:to>
+                                        <p:strVal val="visible"/>
+                                      </p:to>
+                                    </p:set>
+                                  </p:childTnLst>
+                                </p:cTn>
+                              </p:par>
+                            </p:childTnLst>
+                          </p:cTn>
+                        </p:par>
+                      </p:childTnLst>
+                    </p:cTn>
+                  </p:par>
+                  <p:par>
+                    <p:cTn id="19" fill="hold">
+                      <p:stCondLst>
+                        <p:cond delay="indefinite"/>
+                      </p:stCondLst>
+                      <p:childTnLst>
+                        <p:par>
+                          <p:cTn id="20" fill="hold">
+                            <p:stCondLst>
+                              <p:cond delay="0"/>
+                            </p:stCondLst>
+                            <p:childTnLst>
+                              <p:par>
+                                <p:cTn id="21" presetID="1" presetClass="entr" presetSubtype="0" fill="hold" nodeType="clickEffect">
+                                  <p:stCondLst>
+                                    <p:cond delay="0"/>
+                                  </p:stCondLst>
+                                  <p:childTnLst>
+                                    <p:set>
+                                      <p:cBhvr>
+                                        <p:cTn id="22" dur="1" fill="hold">
+                                          <p:stCondLst>
+                                            <p:cond delay="0"/>
+                                          </p:stCondLst>
+                                        </p:cTn>
+                                        <p:tgtEl>
+                                          <p:spTgt spid="4">
+                                            <p:txEl>
+                                              <p:pRg st="4" end="4"/>
                                             </p:txEl>
                                           </p:spTgt>
                                         </p:tgtEl>
